--- a/tsmc_intern_final.pptx
+++ b/tsmc_intern_final.pptx
@@ -5,7 +5,7 @@
     <p:sldMasterId id="2147483648" r:id="rId1"/>
   </p:sldMasterIdLst>
   <p:notesMasterIdLst>
-    <p:notesMasterId r:id="rId8"/>
+    <p:notesMasterId r:id="rId10"/>
   </p:notesMasterIdLst>
   <p:sldIdLst>
     <p:sldId id="256" r:id="rId2"/>
@@ -14,6 +14,8 @@
     <p:sldId id="260" r:id="rId5"/>
     <p:sldId id="259" r:id="rId6"/>
     <p:sldId id="261" r:id="rId7"/>
+    <p:sldId id="262" r:id="rId8"/>
+    <p:sldId id="263" r:id="rId9"/>
   </p:sldIdLst>
   <p:sldSz cx="12192000" cy="6858000"/>
   <p:notesSz cx="6858000" cy="9144000"/>
@@ -112,6 +114,11 @@
       </a:defRPr>
     </a:lvl9pPr>
   </p:defaultTextStyle>
+  <p:extLst>
+    <p:ext uri="{EFAFB233-063F-42B5-8137-9DF3F51BA10A}">
+      <p15:sldGuideLst xmlns:p15="http://schemas.microsoft.com/office/powerpoint/2012/main"/>
+    </p:ext>
+  </p:extLst>
 </p:presentation>
 </file>
 
@@ -197,7 +204,7 @@
           <a:p>
             <a:fld id="{CC865AD6-D063-478C-9E99-C4867EF110D7}" type="datetimeFigureOut">
               <a:rPr lang="zh-TW" altLang="en-US" smtClean="0"/>
-              <a:t>2020/8/10</a:t>
+              <a:t>2020/8/11</a:t>
             </a:fld>
             <a:endParaRPr lang="zh-TW" altLang="en-US"/>
           </a:p>
@@ -673,6 +680,252 @@
 </p:notes>
 </file>
 
+<file path=ppt/notesSlides/notesSlide3.xml><?xml version="1.0" encoding="utf-8"?>
+<p:notes xmlns:a="http://schemas.openxmlformats.org/drawingml/2006/main" xmlns:r="http://schemas.openxmlformats.org/officeDocument/2006/relationships" xmlns:p="http://schemas.openxmlformats.org/presentationml/2006/main">
+  <p:cSld>
+    <p:spTree>
+      <p:nvGrpSpPr>
+        <p:cNvPr id="1" name=""/>
+        <p:cNvGrpSpPr/>
+        <p:nvPr/>
+      </p:nvGrpSpPr>
+      <p:grpSpPr>
+        <a:xfrm>
+          <a:off x="0" y="0"/>
+          <a:ext cx="0" cy="0"/>
+          <a:chOff x="0" y="0"/>
+          <a:chExt cx="0" cy="0"/>
+        </a:xfrm>
+      </p:grpSpPr>
+      <p:sp>
+        <p:nvSpPr>
+          <p:cNvPr id="2" name="投影片圖像版面配置區 1"/>
+          <p:cNvSpPr>
+            <a:spLocks noGrp="1" noRot="1" noChangeAspect="1"/>
+          </p:cNvSpPr>
+          <p:nvPr>
+            <p:ph type="sldImg"/>
+          </p:nvPr>
+        </p:nvSpPr>
+        <p:spPr/>
+      </p:sp>
+      <p:sp>
+        <p:nvSpPr>
+          <p:cNvPr id="3" name="備忘稿版面配置區 2"/>
+          <p:cNvSpPr>
+            <a:spLocks noGrp="1"/>
+          </p:cNvSpPr>
+          <p:nvPr>
+            <p:ph type="body" idx="1"/>
+          </p:nvPr>
+        </p:nvSpPr>
+        <p:spPr/>
+        <p:txBody>
+          <a:bodyPr/>
+          <a:lstStyle/>
+          <a:p>
+            <a:r>
+              <a:rPr lang="zh-TW" altLang="en-US" dirty="0" smtClean="0"/>
+              <a:t>首先，最直接能感受到的是台積的工作環境氛圍以及部門內的工作</a:t>
+            </a:r>
+            <a:r>
+              <a:rPr lang="en-US" altLang="zh-TW" dirty="0" smtClean="0"/>
+              <a:t>style</a:t>
+            </a:r>
+          </a:p>
+          <a:p>
+            <a:r>
+              <a:rPr lang="zh-TW" altLang="en-US" dirty="0" smtClean="0"/>
+              <a:t>第二是部門內有</a:t>
+            </a:r>
+            <a:r>
+              <a:rPr lang="en-US" altLang="zh-TW" dirty="0" smtClean="0"/>
+              <a:t>for project</a:t>
+            </a:r>
+            <a:r>
+              <a:rPr lang="zh-TW" altLang="en-US" dirty="0" smtClean="0"/>
+              <a:t>的</a:t>
+            </a:r>
+            <a:r>
+              <a:rPr lang="en-US" altLang="zh-TW" dirty="0" smtClean="0"/>
+              <a:t>study</a:t>
+            </a:r>
+            <a:r>
+              <a:rPr lang="en-US" altLang="zh-TW" baseline="0" dirty="0" smtClean="0"/>
+              <a:t> group</a:t>
+            </a:r>
+            <a:r>
+              <a:rPr lang="zh-TW" altLang="en-US" baseline="0" dirty="0" smtClean="0"/>
+              <a:t>，以</a:t>
+            </a:r>
+            <a:r>
+              <a:rPr lang="en-US" altLang="zh-TW" baseline="0" dirty="0" err="1" smtClean="0"/>
+              <a:t>wordpress</a:t>
+            </a:r>
+            <a:r>
+              <a:rPr lang="zh-TW" altLang="en-US" baseline="0" dirty="0" smtClean="0"/>
+              <a:t>的</a:t>
+            </a:r>
+            <a:r>
+              <a:rPr lang="en-US" altLang="zh-TW" baseline="0" dirty="0" smtClean="0"/>
+              <a:t>project</a:t>
+            </a:r>
+            <a:r>
+              <a:rPr lang="zh-TW" altLang="en-US" baseline="0" dirty="0" smtClean="0"/>
+              <a:t>為例，每次</a:t>
+            </a:r>
+            <a:r>
+              <a:rPr lang="en-US" altLang="zh-TW" baseline="0" dirty="0" smtClean="0"/>
+              <a:t>study group</a:t>
+            </a:r>
+            <a:r>
+              <a:rPr lang="zh-TW" altLang="en-US" baseline="0" dirty="0" smtClean="0"/>
+              <a:t>開會都會討論幾個不同的</a:t>
+            </a:r>
+            <a:r>
+              <a:rPr lang="en-US" altLang="zh-TW" baseline="0" dirty="0" smtClean="0"/>
+              <a:t>topics</a:t>
+            </a:r>
+            <a:r>
+              <a:rPr lang="zh-TW" altLang="en-US" baseline="0" dirty="0" smtClean="0"/>
+              <a:t>，讓大家可以了解很多有關</a:t>
+            </a:r>
+            <a:r>
+              <a:rPr lang="en-US" altLang="zh-TW" baseline="0" dirty="0" err="1" smtClean="0"/>
+              <a:t>wordpress</a:t>
+            </a:r>
+            <a:r>
+              <a:rPr lang="zh-TW" altLang="en-US" baseline="0" dirty="0" smtClean="0"/>
+              <a:t>的資訊，那這個模式就很適合實習生，在短時間可以快速地吸收到</a:t>
+            </a:r>
+            <a:r>
+              <a:rPr lang="en-US" altLang="zh-TW" baseline="0" dirty="0" smtClean="0"/>
+              <a:t>project</a:t>
+            </a:r>
+            <a:r>
+              <a:rPr lang="zh-TW" altLang="en-US" baseline="0" dirty="0" smtClean="0"/>
+              <a:t>的</a:t>
+            </a:r>
+            <a:r>
+              <a:rPr lang="en-US" altLang="zh-TW" baseline="0" dirty="0" smtClean="0"/>
+              <a:t>base</a:t>
+            </a:r>
+            <a:r>
+              <a:rPr lang="zh-TW" altLang="en-US" baseline="0" dirty="0" smtClean="0"/>
+              <a:t> </a:t>
+            </a:r>
+            <a:r>
+              <a:rPr lang="en-US" altLang="zh-TW" baseline="0" dirty="0" smtClean="0"/>
+              <a:t>knowledge</a:t>
+            </a:r>
+            <a:r>
+              <a:rPr lang="zh-TW" altLang="en-US" baseline="0" dirty="0" smtClean="0"/>
+              <a:t>，非常有利於接下來兩個月的網站開發。</a:t>
+            </a:r>
+            <a:endParaRPr lang="en-US" altLang="zh-TW" baseline="0" dirty="0" smtClean="0"/>
+          </a:p>
+          <a:p>
+            <a:r>
+              <a:rPr lang="zh-TW" altLang="en-US" dirty="0" smtClean="0"/>
+              <a:t>第三點是勇於發問，主要是</a:t>
+            </a:r>
+            <a:r>
+              <a:rPr lang="en-US" altLang="zh-TW" dirty="0" smtClean="0"/>
+              <a:t>focus</a:t>
+            </a:r>
+            <a:r>
+              <a:rPr lang="zh-TW" altLang="en-US" dirty="0" smtClean="0"/>
+              <a:t>在改善了自己的個性，因為在實習前我對</a:t>
+            </a:r>
+            <a:r>
+              <a:rPr lang="en-US" altLang="zh-TW" dirty="0" err="1" smtClean="0"/>
+              <a:t>wordpress</a:t>
+            </a:r>
+            <a:r>
+              <a:rPr lang="zh-TW" altLang="en-US" dirty="0" smtClean="0"/>
+              <a:t>和</a:t>
+            </a:r>
+            <a:r>
+              <a:rPr lang="en-US" altLang="zh-TW" dirty="0" smtClean="0"/>
+              <a:t>k8s</a:t>
+            </a:r>
+            <a:r>
+              <a:rPr lang="zh-TW" altLang="en-US" dirty="0" smtClean="0"/>
+              <a:t>的認知為</a:t>
+            </a:r>
+            <a:r>
+              <a:rPr lang="en-US" altLang="zh-TW" dirty="0" smtClean="0"/>
+              <a:t>0</a:t>
+            </a:r>
+            <a:r>
+              <a:rPr lang="zh-TW" altLang="en-US" dirty="0" smtClean="0"/>
+              <a:t>，很多地方都不懂，在做</a:t>
+            </a:r>
+            <a:r>
+              <a:rPr lang="en-US" altLang="zh-TW" dirty="0" smtClean="0"/>
+              <a:t>project</a:t>
+            </a:r>
+            <a:r>
+              <a:rPr lang="zh-TW" altLang="en-US" dirty="0" smtClean="0"/>
+              <a:t>時就會遇到很多問題，有些問題甚至是會涉及到其他部門，所以我必須不斷的向許多人請教，一開始的我有點無法適應，但現在漸漸的有讓自己的臉皮越來越厚</a:t>
+            </a:r>
+            <a:r>
+              <a:rPr lang="en-US" altLang="zh-TW" dirty="0" smtClean="0"/>
+              <a:t>XDD</a:t>
+            </a:r>
+          </a:p>
+          <a:p>
+            <a:r>
+              <a:rPr lang="zh-TW" altLang="en-US" dirty="0" smtClean="0"/>
+              <a:t>第四點是溝通，剛有提到我可能要去向其他人請教問題，但每個人身上有自己負責的工作，大家都在忙碌的狀態，這時候如何清楚地去表達自己的問題是很重要的，不只是不浪費對方的時間，對方也可以快速的理解我的需求是甚麼並且準確的幫助我解決問題</a:t>
+            </a:r>
+            <a:endParaRPr lang="en-US" altLang="zh-TW" dirty="0" smtClean="0"/>
+          </a:p>
+          <a:p>
+            <a:r>
+              <a:rPr lang="zh-TW" altLang="en-US" dirty="0" smtClean="0"/>
+              <a:t>最後則是人際關係，除了認識到部門內的同仁外，也和其他部門的同仁和實習生都有交流</a:t>
+            </a:r>
+            <a:endParaRPr lang="en-US" altLang="zh-TW" dirty="0" smtClean="0"/>
+          </a:p>
+        </p:txBody>
+      </p:sp>
+      <p:sp>
+        <p:nvSpPr>
+          <p:cNvPr id="4" name="投影片編號版面配置區 3"/>
+          <p:cNvSpPr>
+            <a:spLocks noGrp="1"/>
+          </p:cNvSpPr>
+          <p:nvPr>
+            <p:ph type="sldNum" sz="quarter" idx="10"/>
+          </p:nvPr>
+        </p:nvSpPr>
+        <p:spPr/>
+        <p:txBody>
+          <a:bodyPr/>
+          <a:lstStyle/>
+          <a:p>
+            <a:fld id="{3E49A963-6D36-4886-A4EC-519246BC7E55}" type="slidenum">
+              <a:rPr lang="zh-TW" altLang="en-US" smtClean="0"/>
+              <a:t>7</a:t>
+            </a:fld>
+            <a:endParaRPr lang="zh-TW" altLang="en-US"/>
+          </a:p>
+        </p:txBody>
+      </p:sp>
+    </p:spTree>
+    <p:extLst>
+      <p:ext uri="{BB962C8B-B14F-4D97-AF65-F5344CB8AC3E}">
+        <p14:creationId xmlns:p14="http://schemas.microsoft.com/office/powerpoint/2010/main" val="4014149251"/>
+      </p:ext>
+    </p:extLst>
+  </p:cSld>
+  <p:clrMapOvr>
+    <a:masterClrMapping/>
+  </p:clrMapOvr>
+</p:notes>
+</file>
+
 <file path=ppt/slideLayouts/slideLayout1.xml><?xml version="1.0" encoding="utf-8"?>
 <p:sldLayout xmlns:a="http://schemas.openxmlformats.org/drawingml/2006/main" xmlns:r="http://schemas.openxmlformats.org/officeDocument/2006/relationships" xmlns:p="http://schemas.openxmlformats.org/presentationml/2006/main" type="title" preserve="1">
   <p:cSld name="標題投影片">
@@ -804,7 +1057,7 @@
           <a:p>
             <a:fld id="{5F5BB5AD-DCAE-4AB1-AE19-2E05CFF71B0E}" type="datetimeFigureOut">
               <a:rPr lang="zh-TW" altLang="en-US" smtClean="0"/>
-              <a:t>2020/8/10</a:t>
+              <a:t>2020/8/11</a:t>
             </a:fld>
             <a:endParaRPr lang="zh-TW" altLang="en-US"/>
           </a:p>
@@ -974,7 +1227,7 @@
           <a:p>
             <a:fld id="{5F5BB5AD-DCAE-4AB1-AE19-2E05CFF71B0E}" type="datetimeFigureOut">
               <a:rPr lang="zh-TW" altLang="en-US" smtClean="0"/>
-              <a:t>2020/8/10</a:t>
+              <a:t>2020/8/11</a:t>
             </a:fld>
             <a:endParaRPr lang="zh-TW" altLang="en-US"/>
           </a:p>
@@ -1154,7 +1407,7 @@
           <a:p>
             <a:fld id="{5F5BB5AD-DCAE-4AB1-AE19-2E05CFF71B0E}" type="datetimeFigureOut">
               <a:rPr lang="zh-TW" altLang="en-US" smtClean="0"/>
-              <a:t>2020/8/10</a:t>
+              <a:t>2020/8/11</a:t>
             </a:fld>
             <a:endParaRPr lang="zh-TW" altLang="en-US"/>
           </a:p>
@@ -1324,7 +1577,7 @@
           <a:p>
             <a:fld id="{5F5BB5AD-DCAE-4AB1-AE19-2E05CFF71B0E}" type="datetimeFigureOut">
               <a:rPr lang="zh-TW" altLang="en-US" smtClean="0"/>
-              <a:t>2020/8/10</a:t>
+              <a:t>2020/8/11</a:t>
             </a:fld>
             <a:endParaRPr lang="zh-TW" altLang="en-US"/>
           </a:p>
@@ -1570,7 +1823,7 @@
           <a:p>
             <a:fld id="{5F5BB5AD-DCAE-4AB1-AE19-2E05CFF71B0E}" type="datetimeFigureOut">
               <a:rPr lang="zh-TW" altLang="en-US" smtClean="0"/>
-              <a:t>2020/8/10</a:t>
+              <a:t>2020/8/11</a:t>
             </a:fld>
             <a:endParaRPr lang="zh-TW" altLang="en-US"/>
           </a:p>
@@ -1802,7 +2055,7 @@
           <a:p>
             <a:fld id="{5F5BB5AD-DCAE-4AB1-AE19-2E05CFF71B0E}" type="datetimeFigureOut">
               <a:rPr lang="zh-TW" altLang="en-US" smtClean="0"/>
-              <a:t>2020/8/10</a:t>
+              <a:t>2020/8/11</a:t>
             </a:fld>
             <a:endParaRPr lang="zh-TW" altLang="en-US"/>
           </a:p>
@@ -2169,7 +2422,7 @@
           <a:p>
             <a:fld id="{5F5BB5AD-DCAE-4AB1-AE19-2E05CFF71B0E}" type="datetimeFigureOut">
               <a:rPr lang="zh-TW" altLang="en-US" smtClean="0"/>
-              <a:t>2020/8/10</a:t>
+              <a:t>2020/8/11</a:t>
             </a:fld>
             <a:endParaRPr lang="zh-TW" altLang="en-US"/>
           </a:p>
@@ -2287,7 +2540,7 @@
           <a:p>
             <a:fld id="{5F5BB5AD-DCAE-4AB1-AE19-2E05CFF71B0E}" type="datetimeFigureOut">
               <a:rPr lang="zh-TW" altLang="en-US" smtClean="0"/>
-              <a:t>2020/8/10</a:t>
+              <a:t>2020/8/11</a:t>
             </a:fld>
             <a:endParaRPr lang="zh-TW" altLang="en-US"/>
           </a:p>
@@ -2382,7 +2635,7 @@
           <a:p>
             <a:fld id="{5F5BB5AD-DCAE-4AB1-AE19-2E05CFF71B0E}" type="datetimeFigureOut">
               <a:rPr lang="zh-TW" altLang="en-US" smtClean="0"/>
-              <a:t>2020/8/10</a:t>
+              <a:t>2020/8/11</a:t>
             </a:fld>
             <a:endParaRPr lang="zh-TW" altLang="en-US"/>
           </a:p>
@@ -2659,7 +2912,7 @@
           <a:p>
             <a:fld id="{5F5BB5AD-DCAE-4AB1-AE19-2E05CFF71B0E}" type="datetimeFigureOut">
               <a:rPr lang="zh-TW" altLang="en-US" smtClean="0"/>
-              <a:t>2020/8/10</a:t>
+              <a:t>2020/8/11</a:t>
             </a:fld>
             <a:endParaRPr lang="zh-TW" altLang="en-US"/>
           </a:p>
@@ -2912,7 +3165,7 @@
           <a:p>
             <a:fld id="{5F5BB5AD-DCAE-4AB1-AE19-2E05CFF71B0E}" type="datetimeFigureOut">
               <a:rPr lang="zh-TW" altLang="en-US" smtClean="0"/>
-              <a:t>2020/8/10</a:t>
+              <a:t>2020/8/11</a:t>
             </a:fld>
             <a:endParaRPr lang="zh-TW" altLang="en-US"/>
           </a:p>
@@ -3125,7 +3378,7 @@
           <a:p>
             <a:fld id="{5F5BB5AD-DCAE-4AB1-AE19-2E05CFF71B0E}" type="datetimeFigureOut">
               <a:rPr lang="zh-TW" altLang="en-US" smtClean="0"/>
-              <a:t>2020/8/10</a:t>
+              <a:t>2020/8/11</a:t>
             </a:fld>
             <a:endParaRPr lang="zh-TW" altLang="en-US"/>
           </a:p>
@@ -3652,15 +3905,7 @@
           <a:p>
             <a:r>
               <a:rPr lang="en-US" altLang="zh-TW" dirty="0" smtClean="0"/>
-              <a:t>Developing positive relationships with all stakeholders </a:t>
-            </a:r>
-            <a:r>
-              <a:rPr lang="en-US" altLang="zh-TW" dirty="0" smtClean="0"/>
-              <a:t>actively</a:t>
-            </a:r>
-            <a:r>
-              <a:rPr lang="en-US" altLang="zh-TW" dirty="0" smtClean="0"/>
-              <a:t> </a:t>
+              <a:t>Developing positive relationships with all stakeholders actively </a:t>
             </a:r>
           </a:p>
           <a:p>
@@ -3894,17 +4139,12 @@
             </a:r>
             <a:r>
               <a:rPr lang="zh-TW" altLang="en-US" dirty="0" smtClean="0"/>
-              <a:t> </a:t>
-            </a:r>
-            <a:r>
-              <a:rPr lang="zh-TW" altLang="en-US" dirty="0" smtClean="0"/>
-              <a:t>→ </a:t>
+              <a:t> → </a:t>
             </a:r>
             <a:r>
               <a:rPr lang="en-US" altLang="zh-TW" dirty="0" smtClean="0"/>
               <a:t>K8S</a:t>
             </a:r>
-            <a:endParaRPr lang="en-US" altLang="zh-TW" dirty="0" smtClean="0"/>
           </a:p>
           <a:p>
             <a:endParaRPr lang="zh-TW" altLang="en-US" dirty="0"/>
@@ -4067,6 +4307,193 @@
     <p:extLst>
       <p:ext uri="{BB962C8B-B14F-4D97-AF65-F5344CB8AC3E}">
         <p14:creationId xmlns:p14="http://schemas.microsoft.com/office/powerpoint/2010/main" val="3244638652"/>
+      </p:ext>
+    </p:extLst>
+  </p:cSld>
+  <p:clrMapOvr>
+    <a:masterClrMapping/>
+  </p:clrMapOvr>
+</p:sld>
+</file>
+
+<file path=ppt/slides/slide7.xml><?xml version="1.0" encoding="utf-8"?>
+<p:sld xmlns:a="http://schemas.openxmlformats.org/drawingml/2006/main" xmlns:r="http://schemas.openxmlformats.org/officeDocument/2006/relationships" xmlns:p="http://schemas.openxmlformats.org/presentationml/2006/main">
+  <p:cSld>
+    <p:spTree>
+      <p:nvGrpSpPr>
+        <p:cNvPr id="1" name=""/>
+        <p:cNvGrpSpPr/>
+        <p:nvPr/>
+      </p:nvGrpSpPr>
+      <p:grpSpPr>
+        <a:xfrm>
+          <a:off x="0" y="0"/>
+          <a:ext cx="0" cy="0"/>
+          <a:chOff x="0" y="0"/>
+          <a:chExt cx="0" cy="0"/>
+        </a:xfrm>
+      </p:grpSpPr>
+      <p:sp>
+        <p:nvSpPr>
+          <p:cNvPr id="2" name="標題 1"/>
+          <p:cNvSpPr>
+            <a:spLocks noGrp="1"/>
+          </p:cNvSpPr>
+          <p:nvPr>
+            <p:ph type="title"/>
+          </p:nvPr>
+        </p:nvSpPr>
+        <p:spPr/>
+        <p:txBody>
+          <a:bodyPr/>
+          <a:lstStyle/>
+          <a:p>
+            <a:r>
+              <a:rPr lang="en-US" altLang="zh-TW" dirty="0" smtClean="0"/>
+              <a:t>Experience in TSMC</a:t>
+            </a:r>
+            <a:endParaRPr lang="zh-TW" altLang="en-US" dirty="0"/>
+          </a:p>
+        </p:txBody>
+      </p:sp>
+      <p:sp>
+        <p:nvSpPr>
+          <p:cNvPr id="3" name="內容版面配置區 2"/>
+          <p:cNvSpPr>
+            <a:spLocks noGrp="1"/>
+          </p:cNvSpPr>
+          <p:nvPr>
+            <p:ph idx="1"/>
+          </p:nvPr>
+        </p:nvSpPr>
+        <p:spPr/>
+        <p:txBody>
+          <a:bodyPr/>
+          <a:lstStyle/>
+          <a:p>
+            <a:r>
+              <a:rPr lang="en-US" altLang="zh-TW" dirty="0" smtClean="0"/>
+              <a:t>Work environment and style</a:t>
+            </a:r>
+          </a:p>
+          <a:p>
+            <a:r>
+              <a:rPr lang="en-US" altLang="zh-TW" dirty="0" smtClean="0"/>
+              <a:t>Study group to help me get ready quickly</a:t>
+            </a:r>
+          </a:p>
+          <a:p>
+            <a:r>
+              <a:rPr lang="en-US" altLang="zh-TW" dirty="0"/>
+              <a:t>Be courageous to </a:t>
+            </a:r>
+            <a:r>
+              <a:rPr lang="en-US" altLang="zh-TW" dirty="0" smtClean="0"/>
+              <a:t>ask</a:t>
+            </a:r>
+          </a:p>
+          <a:p>
+            <a:r>
+              <a:rPr lang="en-US" altLang="zh-TW" dirty="0" smtClean="0"/>
+              <a:t>Communication</a:t>
+            </a:r>
+            <a:endParaRPr lang="en-US" altLang="zh-TW" dirty="0"/>
+          </a:p>
+          <a:p>
+            <a:r>
+              <a:rPr lang="en-US" altLang="zh-TW" dirty="0" smtClean="0"/>
+              <a:t>Connection</a:t>
+            </a:r>
+            <a:endParaRPr lang="zh-TW" altLang="en-US" dirty="0"/>
+          </a:p>
+        </p:txBody>
+      </p:sp>
+    </p:spTree>
+    <p:extLst>
+      <p:ext uri="{BB962C8B-B14F-4D97-AF65-F5344CB8AC3E}">
+        <p14:creationId xmlns:p14="http://schemas.microsoft.com/office/powerpoint/2010/main" val="2536481353"/>
+      </p:ext>
+    </p:extLst>
+  </p:cSld>
+  <p:clrMapOvr>
+    <a:masterClrMapping/>
+  </p:clrMapOvr>
+</p:sld>
+</file>
+
+<file path=ppt/slides/slide8.xml><?xml version="1.0" encoding="utf-8"?>
+<p:sld xmlns:a="http://schemas.openxmlformats.org/drawingml/2006/main" xmlns:r="http://schemas.openxmlformats.org/officeDocument/2006/relationships" xmlns:p="http://schemas.openxmlformats.org/presentationml/2006/main">
+  <p:cSld>
+    <p:spTree>
+      <p:nvGrpSpPr>
+        <p:cNvPr id="1" name=""/>
+        <p:cNvGrpSpPr/>
+        <p:nvPr/>
+      </p:nvGrpSpPr>
+      <p:grpSpPr>
+        <a:xfrm>
+          <a:off x="0" y="0"/>
+          <a:ext cx="0" cy="0"/>
+          <a:chOff x="0" y="0"/>
+          <a:chExt cx="0" cy="0"/>
+        </a:xfrm>
+      </p:grpSpPr>
+      <p:sp>
+        <p:nvSpPr>
+          <p:cNvPr id="2" name="標題 1"/>
+          <p:cNvSpPr>
+            <a:spLocks noGrp="1"/>
+          </p:cNvSpPr>
+          <p:nvPr>
+            <p:ph type="title"/>
+          </p:nvPr>
+        </p:nvSpPr>
+        <p:spPr/>
+        <p:txBody>
+          <a:bodyPr/>
+          <a:lstStyle/>
+          <a:p>
+            <a:r>
+              <a:rPr lang="en-US" altLang="zh-TW" dirty="0" smtClean="0"/>
+              <a:t>Suggestion for TSMC</a:t>
+            </a:r>
+            <a:endParaRPr lang="zh-TW" altLang="en-US" dirty="0"/>
+          </a:p>
+        </p:txBody>
+      </p:sp>
+      <p:sp>
+        <p:nvSpPr>
+          <p:cNvPr id="3" name="內容版面配置區 2"/>
+          <p:cNvSpPr>
+            <a:spLocks noGrp="1"/>
+          </p:cNvSpPr>
+          <p:nvPr>
+            <p:ph idx="1"/>
+          </p:nvPr>
+        </p:nvSpPr>
+        <p:spPr/>
+        <p:txBody>
+          <a:bodyPr/>
+          <a:lstStyle/>
+          <a:p>
+            <a:r>
+              <a:rPr lang="en-US" altLang="zh-TW" dirty="0" smtClean="0"/>
+              <a:t>Intern sharing in recruitment events</a:t>
+            </a:r>
+          </a:p>
+          <a:p>
+            <a:r>
+              <a:rPr lang="en-US" altLang="zh-TW" dirty="0" smtClean="0"/>
+              <a:t>Lessons for intern could be open more people to join </a:t>
+            </a:r>
+            <a:endParaRPr lang="zh-TW" altLang="en-US" dirty="0"/>
+          </a:p>
+        </p:txBody>
+      </p:sp>
+    </p:spTree>
+    <p:extLst>
+      <p:ext uri="{BB962C8B-B14F-4D97-AF65-F5344CB8AC3E}">
+        <p14:creationId xmlns:p14="http://schemas.microsoft.com/office/powerpoint/2010/main" val="583863284"/>
       </p:ext>
     </p:extLst>
   </p:cSld>
